--- a/课程/Lesson9/课件/Lesson9.pptx
+++ b/课程/Lesson9/课件/Lesson9.pptx
@@ -640,7 +640,7 @@
           <a:p>
             <a:fld id="{530820CF-B880-4189-942D-D702A7CBA730}" type="datetimeFigureOut">
               <a:rPr lang="zh-CN" altLang="en-US" smtClean="0"/>
-              <a:t>2022/7/3</a:t>
+              <a:t>2022/7/7</a:t>
             </a:fld>
             <a:endParaRPr lang="zh-CN" altLang="en-US"/>
           </a:p>
@@ -1039,7 +1039,7 @@
           <a:p>
             <a:fld id="{530820CF-B880-4189-942D-D702A7CBA730}" type="datetimeFigureOut">
               <a:rPr lang="zh-CN" altLang="en-US" smtClean="0"/>
-              <a:t>2022/7/3</a:t>
+              <a:t>2022/7/7</a:t>
             </a:fld>
             <a:endParaRPr lang="zh-CN" altLang="en-US"/>
           </a:p>
@@ -1299,7 +1299,7 @@
           <a:p>
             <a:fld id="{530820CF-B880-4189-942D-D702A7CBA730}" type="datetimeFigureOut">
               <a:rPr lang="zh-CN" altLang="en-US" smtClean="0"/>
-              <a:t>2022/7/3</a:t>
+              <a:t>2022/7/7</a:t>
             </a:fld>
             <a:endParaRPr lang="zh-CN" altLang="en-US"/>
           </a:p>
@@ -1851,7 +1851,7 @@
           <a:p>
             <a:fld id="{530820CF-B880-4189-942D-D702A7CBA730}" type="datetimeFigureOut">
               <a:rPr lang="zh-CN" altLang="en-US" smtClean="0"/>
-              <a:t>2022/7/3</a:t>
+              <a:t>2022/7/7</a:t>
             </a:fld>
             <a:endParaRPr lang="zh-CN" altLang="en-US"/>
           </a:p>
@@ -2111,7 +2111,7 @@
           <a:p>
             <a:fld id="{530820CF-B880-4189-942D-D702A7CBA730}" type="datetimeFigureOut">
               <a:rPr lang="zh-CN" altLang="en-US" smtClean="0"/>
-              <a:t>2022/7/3</a:t>
+              <a:t>2022/7/7</a:t>
             </a:fld>
             <a:endParaRPr lang="zh-CN" altLang="en-US"/>
           </a:p>
@@ -2655,7 +2655,7 @@
           <a:p>
             <a:fld id="{530820CF-B880-4189-942D-D702A7CBA730}" type="datetimeFigureOut">
               <a:rPr lang="zh-CN" altLang="en-US" smtClean="0"/>
-              <a:t>2022/7/3</a:t>
+              <a:t>2022/7/7</a:t>
             </a:fld>
             <a:endParaRPr lang="zh-CN" altLang="en-US"/>
           </a:p>
@@ -2964,7 +2964,7 @@
           <a:p>
             <a:fld id="{530820CF-B880-4189-942D-D702A7CBA730}" type="datetimeFigureOut">
               <a:rPr lang="zh-CN" altLang="en-US" smtClean="0"/>
-              <a:t>2022/7/3</a:t>
+              <a:t>2022/7/7</a:t>
             </a:fld>
             <a:endParaRPr lang="zh-CN" altLang="en-US"/>
           </a:p>
@@ -3150,7 +3150,7 @@
           <a:p>
             <a:fld id="{530820CF-B880-4189-942D-D702A7CBA730}" type="datetimeFigureOut">
               <a:rPr lang="zh-CN" altLang="en-US" smtClean="0"/>
-              <a:t>2022/7/3</a:t>
+              <a:t>2022/7/7</a:t>
             </a:fld>
             <a:endParaRPr lang="zh-CN" altLang="en-US"/>
           </a:p>
@@ -3342,7 +3342,7 @@
           <a:p>
             <a:fld id="{530820CF-B880-4189-942D-D702A7CBA730}" type="datetimeFigureOut">
               <a:rPr lang="zh-CN" altLang="en-US" smtClean="0"/>
-              <a:t>2022/7/3</a:t>
+              <a:t>2022/7/7</a:t>
             </a:fld>
             <a:endParaRPr lang="zh-CN" altLang="en-US"/>
           </a:p>
@@ -3539,7 +3539,7 @@
           <a:p>
             <a:fld id="{530820CF-B880-4189-942D-D702A7CBA730}" type="datetimeFigureOut">
               <a:rPr lang="zh-CN" altLang="en-US" smtClean="0"/>
-              <a:t>2022/7/3</a:t>
+              <a:t>2022/7/7</a:t>
             </a:fld>
             <a:endParaRPr lang="zh-CN" altLang="en-US"/>
           </a:p>
@@ -3807,7 +3807,7 @@
           <a:p>
             <a:fld id="{530820CF-B880-4189-942D-D702A7CBA730}" type="datetimeFigureOut">
               <a:rPr lang="zh-CN" altLang="en-US" smtClean="0"/>
-              <a:t>2022/7/3</a:t>
+              <a:t>2022/7/7</a:t>
             </a:fld>
             <a:endParaRPr lang="zh-CN" altLang="en-US"/>
           </a:p>
@@ -4121,7 +4121,7 @@
           <a:p>
             <a:fld id="{530820CF-B880-4189-942D-D702A7CBA730}" type="datetimeFigureOut">
               <a:rPr lang="zh-CN" altLang="en-US" smtClean="0"/>
-              <a:t>2022/7/3</a:t>
+              <a:t>2022/7/7</a:t>
             </a:fld>
             <a:endParaRPr lang="zh-CN" altLang="en-US"/>
           </a:p>
@@ -4575,7 +4575,7 @@
           <a:p>
             <a:fld id="{530820CF-B880-4189-942D-D702A7CBA730}" type="datetimeFigureOut">
               <a:rPr lang="zh-CN" altLang="en-US" smtClean="0"/>
-              <a:t>2022/7/3</a:t>
+              <a:t>2022/7/7</a:t>
             </a:fld>
             <a:endParaRPr lang="zh-CN" altLang="en-US"/>
           </a:p>
@@ -4705,7 +4705,7 @@
           <a:p>
             <a:fld id="{530820CF-B880-4189-942D-D702A7CBA730}" type="datetimeFigureOut">
               <a:rPr lang="zh-CN" altLang="en-US" smtClean="0"/>
-              <a:t>2022/7/3</a:t>
+              <a:t>2022/7/7</a:t>
             </a:fld>
             <a:endParaRPr lang="zh-CN" altLang="en-US"/>
           </a:p>
@@ -4812,7 +4812,7 @@
           <a:p>
             <a:fld id="{530820CF-B880-4189-942D-D702A7CBA730}" type="datetimeFigureOut">
               <a:rPr lang="zh-CN" altLang="en-US" smtClean="0"/>
-              <a:t>2022/7/3</a:t>
+              <a:t>2022/7/7</a:t>
             </a:fld>
             <a:endParaRPr lang="zh-CN" altLang="en-US"/>
           </a:p>
@@ -5107,7 +5107,7 @@
           <a:p>
             <a:fld id="{530820CF-B880-4189-942D-D702A7CBA730}" type="datetimeFigureOut">
               <a:rPr lang="zh-CN" altLang="en-US" smtClean="0"/>
-              <a:t>2022/7/3</a:t>
+              <a:t>2022/7/7</a:t>
             </a:fld>
             <a:endParaRPr lang="zh-CN" altLang="en-US"/>
           </a:p>
@@ -5410,7 +5410,7 @@
           <a:p>
             <a:fld id="{530820CF-B880-4189-942D-D702A7CBA730}" type="datetimeFigureOut">
               <a:rPr lang="zh-CN" altLang="en-US" smtClean="0"/>
-              <a:t>2022/7/3</a:t>
+              <a:t>2022/7/7</a:t>
             </a:fld>
             <a:endParaRPr lang="zh-CN" altLang="en-US"/>
           </a:p>
@@ -5946,7 +5946,7 @@
           <a:p>
             <a:fld id="{530820CF-B880-4189-942D-D702A7CBA730}" type="datetimeFigureOut">
               <a:rPr lang="zh-CN" altLang="en-US" smtClean="0"/>
-              <a:t>2022/7/3</a:t>
+              <a:t>2022/7/7</a:t>
             </a:fld>
             <a:endParaRPr lang="zh-CN" altLang="en-US"/>
           </a:p>
@@ -7086,7 +7086,7 @@
             </a:pPr>
             <a:r>
               <a:rPr lang="en-US" altLang="zh-CN" b="1" dirty="0"/>
-              <a:t>Adafruit IO</a:t>
+              <a:t>Adafruit IO Arduino</a:t>
             </a:r>
           </a:p>
           <a:p>
@@ -7097,7 +7097,7 @@
             </a:pPr>
             <a:r>
               <a:rPr lang="en-US" altLang="zh-CN" b="1" dirty="0"/>
-              <a:t>Adafruit MQTT</a:t>
+              <a:t>Adafruit MQTT Library</a:t>
             </a:r>
           </a:p>
           <a:p>
